--- a/workshop_Performance_111720a.pptx
+++ b/workshop_Performance_111720a.pptx
@@ -250,7 +250,7 @@
       <p15:sldGuideLst xmlns:p15="http://schemas.microsoft.com/office/powerpoint/2012/main"/>
     </p:ext>
     <p:ext uri="http://customooxmlschemas.google.com/">
-      <go:slidesCustomData xmlns="" xmlns:mc="http://schemas.openxmlformats.org/markup-compatibility/2006" xmlns:mv="urn:schemas-microsoft-com:mac:vml" xmlns:c="http://schemas.openxmlformats.org/drawingml/2006/chart" xmlns:dgm="http://schemas.openxmlformats.org/drawingml/2006/diagram" xmlns:o="urn:schemas-microsoft-com:office:office" xmlns:v="urn:schemas-microsoft-com:vml" xmlns:pvml="urn:schemas-microsoft-com:office:powerpoint" xmlns:com="http://schemas.openxmlformats.org/drawingml/2006/compatibility" xmlns:p14="http://schemas.microsoft.com/office/powerpoint/2010/main" xmlns:p15="http://schemas.microsoft.com/office/powerpoint/2012/main" xmlns:go="http://customooxmlschemas.google.com/" r:id="rId41" roundtripDataSignature="AMtx7mj2Ze4SuSSsO+lzDZvkN8f0oSCeBQ=="/>
+      <go:slidesCustomData xmlns:go="http://customooxmlschemas.google.com/" xmlns:p15="http://schemas.microsoft.com/office/powerpoint/2012/main" xmlns:p14="http://schemas.microsoft.com/office/powerpoint/2010/main" xmlns:com="http://schemas.openxmlformats.org/drawingml/2006/compatibility" xmlns:pvml="urn:schemas-microsoft-com:office:powerpoint" xmlns:v="urn:schemas-microsoft-com:vml" xmlns:o="urn:schemas-microsoft-com:office:office" xmlns:dgm="http://schemas.openxmlformats.org/drawingml/2006/diagram" xmlns:c="http://schemas.openxmlformats.org/drawingml/2006/chart" xmlns:mv="urn:schemas-microsoft-com:mac:vml" xmlns:mc="http://schemas.openxmlformats.org/markup-compatibility/2006" xmlns="" r:id="rId41" roundtripDataSignature="AMtx7mj2Ze4SuSSsO+lzDZvkN8f0oSCeBQ=="/>
     </p:ext>
   </p:extLst>
 </p:presentation>
@@ -11785,7 +11785,7 @@
               <a:rPr lang="en-US" sz="3600" dirty="0">
                 <a:latin typeface="+mj-lt"/>
               </a:rPr>
-              <a:t>Performance Assessment and Improvement</a:t>
+              <a:t>Performance Assessment and Improvement from the perspective of image analysis</a:t>
             </a:r>
             <a:endParaRPr sz="3600" dirty="0">
               <a:latin typeface="+mj-lt"/>
@@ -11806,20 +11806,23 @@
             </a:endParaRPr>
           </a:p>
           <a:p>
-            <a:pPr marL="0" lvl="0" indent="0" algn="ctr" rtl="0">
-              <a:spcBef>
-                <a:spcPts val="0"/>
-              </a:spcBef>
-              <a:spcAft>
-                <a:spcPts val="0"/>
-              </a:spcAft>
-              <a:buNone/>
-            </a:pPr>
+            <a:pPr lvl="0"/>
             <a:r>
               <a:rPr lang="en-US" sz="3600" dirty="0">
                 <a:latin typeface="+mj-lt"/>
               </a:rPr>
               <a:t>Nov. 17, 2020</a:t>
+            </a:r>
+            <a:br>
+              <a:rPr lang="en-US" sz="3600" dirty="0">
+                <a:latin typeface="+mj-lt"/>
+              </a:rPr>
+            </a:br>
+            <a:r>
+              <a:rPr lang="en-US" sz="3600" dirty="0">
+                <a:hlinkClick r:id="rId3"/>
+              </a:rPr>
+              <a:t>Research Computing Center</a:t>
             </a:r>
             <a:endParaRPr sz="3600" dirty="0">
               <a:latin typeface="+mj-lt"/>

--- a/workshop_Performance_111720a.pptx
+++ b/workshop_Performance_111720a.pptx
@@ -250,7 +250,7 @@
       <p15:sldGuideLst xmlns:p15="http://schemas.microsoft.com/office/powerpoint/2012/main"/>
     </p:ext>
     <p:ext uri="http://customooxmlschemas.google.com/">
-      <go:slidesCustomData xmlns:go="http://customooxmlschemas.google.com/" xmlns:p15="http://schemas.microsoft.com/office/powerpoint/2012/main" xmlns:p14="http://schemas.microsoft.com/office/powerpoint/2010/main" xmlns:com="http://schemas.openxmlformats.org/drawingml/2006/compatibility" xmlns:pvml="urn:schemas-microsoft-com:office:powerpoint" xmlns:v="urn:schemas-microsoft-com:vml" xmlns:o="urn:schemas-microsoft-com:office:office" xmlns:dgm="http://schemas.openxmlformats.org/drawingml/2006/diagram" xmlns:c="http://schemas.openxmlformats.org/drawingml/2006/chart" xmlns:mv="urn:schemas-microsoft-com:mac:vml" xmlns:mc="http://schemas.openxmlformats.org/markup-compatibility/2006" xmlns="" r:id="rId41" roundtripDataSignature="AMtx7mj2Ze4SuSSsO+lzDZvkN8f0oSCeBQ=="/>
+      <go:slidesCustomData xmlns="" xmlns:mc="http://schemas.openxmlformats.org/markup-compatibility/2006" xmlns:mv="urn:schemas-microsoft-com:mac:vml" xmlns:c="http://schemas.openxmlformats.org/drawingml/2006/chart" xmlns:dgm="http://schemas.openxmlformats.org/drawingml/2006/diagram" xmlns:o="urn:schemas-microsoft-com:office:office" xmlns:v="urn:schemas-microsoft-com:vml" xmlns:pvml="urn:schemas-microsoft-com:office:powerpoint" xmlns:com="http://schemas.openxmlformats.org/drawingml/2006/compatibility" xmlns:p14="http://schemas.microsoft.com/office/powerpoint/2010/main" xmlns:p15="http://schemas.microsoft.com/office/powerpoint/2012/main" xmlns:go="http://customooxmlschemas.google.com/" r:id="rId41" roundtripDataSignature="AMtx7mj2Ze4SuSSsO+lzDZvkN8f0oSCeBQ=="/>
     </p:ext>
   </p:extLst>
 </p:presentation>
@@ -11895,19 +11895,21 @@
             </a:pPr>
             <a:r>
               <a:rPr lang="en-US" dirty="0"/>
-              <a:t>Use your UC email address to login your Google account, and then click “Slides”</a:t>
+              <a:t>Use your UC email address to login your Google account.</a:t>
             </a:r>
-            <a:endParaRPr dirty="0"/>
           </a:p>
           <a:p>
-            <a:pPr indent="-381000" algn="l">
+            <a:pPr marL="457200" lvl="0" indent="-381000" algn="l" rtl="0">
               <a:lnSpc>
                 <a:spcPct val="150000"/>
               </a:lnSpc>
               <a:spcBef>
-                <a:spcPts val="0"/>
-              </a:spcBef>
-              <a:buFont typeface="Arial"/>
+                <a:spcPts val="1000"/>
+              </a:spcBef>
+              <a:spcAft>
+                <a:spcPts val="0"/>
+              </a:spcAft>
+              <a:buSzPts val="2400"/>
               <a:buChar char="●"/>
             </a:pPr>
             <a:r>
@@ -12392,35 +12394,24 @@
               <a:buChar char="•"/>
             </a:pPr>
             <a:r>
-              <a:rPr lang="en-US" b="1" dirty="0"/>
-              <a:t>Create a new notebook</a:t>
+              <a:rPr lang="en-US" b="1"/>
+              <a:t>Upload a notebook</a:t>
             </a:r>
             <a:endParaRPr dirty="0"/>
           </a:p>
           <a:p>
-            <a:pPr marL="228600" lvl="0" indent="-228600" algn="l" rtl="0">
+            <a:pPr marL="685800" lvl="1" indent="-228600">
               <a:lnSpc>
                 <a:spcPct val="80000"/>
               </a:lnSpc>
               <a:spcBef>
                 <a:spcPts val="1000"/>
               </a:spcBef>
-              <a:spcAft>
-                <a:spcPts val="0"/>
-              </a:spcAft>
-              <a:buClr>
-                <a:schemeClr val="dk1"/>
-              </a:buClr>
               <a:buSzPts val="2800"/>
-              <a:buChar char="•"/>
             </a:pPr>
             <a:r>
               <a:rPr lang="en-US" i="1" dirty="0"/>
-              <a:t>File -&gt; New Notebook. </a:t>
-            </a:r>
-            <a:r>
-              <a:rPr lang="en-US" dirty="0"/>
-              <a:t>Either Python 2 or 3 will work, but I would recommend Python 3 (that’s what the rest of this tutorial will be using)</a:t>
+              <a:t>File -&gt; Upload Notebook. </a:t>
             </a:r>
             <a:endParaRPr dirty="0"/>
           </a:p>
@@ -12460,21 +12451,14 @@
             <a:endParaRPr sz="2400" dirty="0"/>
           </a:p>
           <a:p>
-            <a:pPr marL="228600" lvl="0" indent="-228600" algn="l" rtl="0">
+            <a:pPr marL="685800" lvl="1" indent="-228600">
               <a:lnSpc>
                 <a:spcPct val="80000"/>
               </a:lnSpc>
               <a:spcBef>
                 <a:spcPts val="1000"/>
               </a:spcBef>
-              <a:spcAft>
-                <a:spcPts val="0"/>
-              </a:spcAft>
-              <a:buClr>
-                <a:schemeClr val="dk1"/>
-              </a:buClr>
               <a:buSzPts val="2800"/>
-              <a:buChar char="•"/>
             </a:pPr>
             <a:r>
               <a:rPr lang="en-US" i="1" dirty="0"/>
